--- a/TÉCNICO EM INFORMÁTICA- metodologia scrum.pptx
+++ b/TÉCNICO EM INFORMÁTICA- metodologia scrum.pptx
@@ -214,7 +214,7 @@
             <a:fld id="{04B3F87E-D37F-4842-A076-49B632926CBB}" type="datetimeFigureOut">
               <a:rPr lang="pt-BR" smtClean="0"/>
               <a:pPr/>
-              <a:t>26/04/2014</a:t>
+              <a:t>27/04/2014</a:t>
             </a:fld>
             <a:endParaRPr lang="pt-BR"/>
           </a:p>
@@ -2081,7 +2081,7 @@
             <a:fld id="{275D0A0C-4007-4C71-8D8E-4FABC78E78A2}" type="datetimeFigureOut">
               <a:rPr lang="pt-BR" smtClean="0"/>
               <a:pPr/>
-              <a:t>26/04/2014</a:t>
+              <a:t>27/04/2014</a:t>
             </a:fld>
             <a:endParaRPr lang="pt-BR"/>
           </a:p>
@@ -2476,7 +2476,7 @@
             <a:fld id="{275D0A0C-4007-4C71-8D8E-4FABC78E78A2}" type="datetimeFigureOut">
               <a:rPr lang="pt-BR" smtClean="0"/>
               <a:pPr/>
-              <a:t>26/04/2014</a:t>
+              <a:t>27/04/2014</a:t>
             </a:fld>
             <a:endParaRPr lang="pt-BR"/>
           </a:p>
@@ -3011,7 +3011,7 @@
             <a:fld id="{275D0A0C-4007-4C71-8D8E-4FABC78E78A2}" type="datetimeFigureOut">
               <a:rPr lang="pt-BR" smtClean="0"/>
               <a:pPr/>
-              <a:t>26/04/2014</a:t>
+              <a:t>27/04/2014</a:t>
             </a:fld>
             <a:endParaRPr lang="pt-BR"/>
           </a:p>
@@ -3145,7 +3145,7 @@
             <a:fld id="{275D0A0C-4007-4C71-8D8E-4FABC78E78A2}" type="datetimeFigureOut">
               <a:rPr lang="pt-BR" smtClean="0"/>
               <a:pPr/>
-              <a:t>26/04/2014</a:t>
+              <a:t>27/04/2014</a:t>
             </a:fld>
             <a:endParaRPr lang="pt-BR"/>
           </a:p>
@@ -3690,7 +3690,7 @@
             <a:fld id="{275D0A0C-4007-4C71-8D8E-4FABC78E78A2}" type="datetimeFigureOut">
               <a:rPr lang="pt-BR" smtClean="0"/>
               <a:pPr/>
-              <a:t>26/04/2014</a:t>
+              <a:t>27/04/2014</a:t>
             </a:fld>
             <a:endParaRPr lang="pt-BR"/>
           </a:p>
@@ -3987,7 +3987,7 @@
             <a:fld id="{275D0A0C-4007-4C71-8D8E-4FABC78E78A2}" type="datetimeFigureOut">
               <a:rPr lang="pt-BR" smtClean="0"/>
               <a:pPr/>
-              <a:t>26/04/2014</a:t>
+              <a:t>27/04/2014</a:t>
             </a:fld>
             <a:endParaRPr lang="pt-BR"/>
           </a:p>
@@ -4648,7 +4648,7 @@
             <a:fld id="{275D0A0C-4007-4C71-8D8E-4FABC78E78A2}" type="datetimeFigureOut">
               <a:rPr lang="pt-BR" smtClean="0"/>
               <a:pPr/>
-              <a:t>26/04/2014</a:t>
+              <a:t>27/04/2014</a:t>
             </a:fld>
             <a:endParaRPr lang="pt-BR"/>
           </a:p>
@@ -5086,7 +5086,7 @@
             <a:fld id="{275D0A0C-4007-4C71-8D8E-4FABC78E78A2}" type="datetimeFigureOut">
               <a:rPr lang="pt-BR" smtClean="0"/>
               <a:pPr/>
-              <a:t>26/04/2014</a:t>
+              <a:t>27/04/2014</a:t>
             </a:fld>
             <a:endParaRPr lang="pt-BR"/>
           </a:p>
@@ -5401,7 +5401,7 @@
             <a:fld id="{275D0A0C-4007-4C71-8D8E-4FABC78E78A2}" type="datetimeFigureOut">
               <a:rPr lang="pt-BR" smtClean="0"/>
               <a:pPr/>
-              <a:t>26/04/2014</a:t>
+              <a:t>27/04/2014</a:t>
             </a:fld>
             <a:endParaRPr lang="pt-BR"/>
           </a:p>
@@ -6136,7 +6136,7 @@
             <a:fld id="{275D0A0C-4007-4C71-8D8E-4FABC78E78A2}" type="datetimeFigureOut">
               <a:rPr lang="pt-BR" smtClean="0"/>
               <a:pPr/>
-              <a:t>26/04/2014</a:t>
+              <a:t>27/04/2014</a:t>
             </a:fld>
             <a:endParaRPr lang="pt-BR"/>
           </a:p>
@@ -6802,7 +6802,7 @@
             <a:fld id="{275D0A0C-4007-4C71-8D8E-4FABC78E78A2}" type="datetimeFigureOut">
               <a:rPr lang="pt-BR" smtClean="0"/>
               <a:pPr/>
-              <a:t>26/04/2014</a:t>
+              <a:t>27/04/2014</a:t>
             </a:fld>
             <a:endParaRPr lang="pt-BR"/>
           </a:p>
@@ -7076,7 +7076,7 @@
             <a:fld id="{275D0A0C-4007-4C71-8D8E-4FABC78E78A2}" type="datetimeFigureOut">
               <a:rPr lang="pt-BR" smtClean="0"/>
               <a:pPr/>
-              <a:t>26/04/2014</a:t>
+              <a:t>27/04/2014</a:t>
             </a:fld>
             <a:endParaRPr lang="pt-BR"/>
           </a:p>
@@ -7833,12 +7833,20 @@
               <a:rPr lang="pt-BR" sz="1600" b="1" dirty="0" smtClean="0"/>
               <a:t>Disciplina: Tópicos especiais</a:t>
             </a:r>
+            <a:r>
+              <a:rPr lang="pt-BR" sz="1600" b="1" smtClean="0"/>
+              <a:t/>
+            </a:r>
             <a:br>
+              <a:rPr lang="pt-BR" sz="1600" b="1" smtClean="0"/>
+            </a:br>
+            <a:r>
+              <a:rPr lang="pt-BR" sz="1600" b="1" smtClean="0"/>
+              <a:t>Professor: </a:t>
+            </a:r>
+            <a:r>
               <a:rPr lang="pt-BR" sz="1600" b="1" dirty="0" smtClean="0"/>
-            </a:br>
-            <a:r>
-              <a:rPr lang="pt-BR" sz="1600" b="1" dirty="0" smtClean="0"/>
-              <a:t>Professora: Petrônio</a:t>
+              <a:t>Petrônio</a:t>
             </a:r>
             <a:endParaRPr lang="pt-BR" sz="1600" b="1" dirty="0"/>
           </a:p>
@@ -7963,10 +7971,6 @@
               </a:rPr>
               <a:t> Dias</a:t>
             </a:r>
-            <a:endParaRPr lang="pt-BR" dirty="0" smtClean="0">
-              <a:latin typeface="Arial" pitchFamily="34" charset="0"/>
-              <a:cs typeface="Arial" pitchFamily="34" charset="0"/>
-            </a:endParaRPr>
           </a:p>
           <a:p>
             <a:r>
@@ -7974,39 +7978,17 @@
                 <a:latin typeface="Arial" pitchFamily="34" charset="0"/>
                 <a:cs typeface="Arial" pitchFamily="34" charset="0"/>
               </a:rPr>
-              <a:t>               </a:t>
-            </a:r>
+              <a:t>               Rodrigo Castro</a:t>
+            </a:r>
+          </a:p>
+          <a:p>
             <a:r>
               <a:rPr lang="pt-BR" dirty="0" smtClean="0">
                 <a:latin typeface="Arial" pitchFamily="34" charset="0"/>
                 <a:cs typeface="Arial" pitchFamily="34" charset="0"/>
               </a:rPr>
-              <a:t>Rodrigo Castro</a:t>
-            </a:r>
-            <a:endParaRPr lang="pt-BR" dirty="0" smtClean="0">
-              <a:latin typeface="Arial" pitchFamily="34" charset="0"/>
-              <a:cs typeface="Arial" pitchFamily="34" charset="0"/>
-            </a:endParaRPr>
-          </a:p>
-          <a:p>
-            <a:r>
-              <a:rPr lang="pt-BR" dirty="0" smtClean="0">
-                <a:latin typeface="Arial" pitchFamily="34" charset="0"/>
-                <a:cs typeface="Arial" pitchFamily="34" charset="0"/>
-              </a:rPr>
-              <a:t>               </a:t>
-            </a:r>
-            <a:r>
-              <a:rPr lang="pt-BR" dirty="0" smtClean="0">
-                <a:latin typeface="Arial" pitchFamily="34" charset="0"/>
-                <a:cs typeface="Arial" pitchFamily="34" charset="0"/>
-              </a:rPr>
-              <a:t>Bruno Mota</a:t>
-            </a:r>
-            <a:endParaRPr lang="pt-BR" dirty="0" smtClean="0">
-              <a:latin typeface="Arial" pitchFamily="34" charset="0"/>
-              <a:cs typeface="Arial" pitchFamily="34" charset="0"/>
-            </a:endParaRPr>
+              <a:t>               Bruno Mota</a:t>
+            </a:r>
           </a:p>
           <a:p>
             <a:endParaRPr lang="pt-BR" dirty="0" smtClean="0">
@@ -10705,11 +10687,7 @@
           <a:p>
             <a:r>
               <a:rPr lang="pt-BR" dirty="0" smtClean="0"/>
-              <a:t>Métodos </a:t>
-            </a:r>
-            <a:r>
-              <a:rPr lang="pt-BR" dirty="0" smtClean="0"/>
-              <a:t>de desenvolvimento ágeis tem como foco principal a entrega e a otimização do tempo, Existem várias formas de se gerir e planejar um projeto de desenvolvimento, mas atualmente uma metodologia vem se destacando pela forma ágil que consegue fazer com que os projetos sejam conduzidos e finalizados, o </a:t>
+              <a:t>Métodos de desenvolvimento ágeis tem como foco principal a entrega e a otimização do tempo, Existem várias formas de se gerir e planejar um projeto de desenvolvimento, mas atualmente uma metodologia vem se destacando pela forma ágil que consegue fazer com que os projetos sejam conduzidos e finalizados, o </a:t>
             </a:r>
             <a:r>
               <a:rPr lang="pt-BR" dirty="0" err="1" smtClean="0"/>
@@ -10804,11 +10782,7 @@
             </a:r>
             <a:r>
               <a:rPr lang="pt-BR" dirty="0" smtClean="0"/>
-              <a:t> </a:t>
-            </a:r>
-            <a:r>
-              <a:rPr lang="pt-BR" dirty="0" smtClean="0"/>
-              <a:t>é bastante objetivo, com papéis bem definidos, de fácil adaptação e ainda, sua curva de aprendizado é relativamente baixa. Segundo o seu autor SCHWABER (2004), o </a:t>
+              <a:t> é bastante objetivo, com papéis bem definidos, de fácil adaptação e ainda, sua curva de aprendizado é relativamente baixa. Segundo o seu autor SCHWABER (2004), o </a:t>
             </a:r>
             <a:r>
               <a:rPr lang="pt-BR" dirty="0" err="1" smtClean="0"/>
